--- a/Presentation/daniel.pptx
+++ b/Presentation/daniel.pptx
@@ -3627,7 +3627,7 @@
           <p:nvPr>
             <p:extLst>
               <p:ext uri="{D42A27DB-BD31-4B8C-83A1-F6EECF244321}">
-                <p14:modId xmlns:p14="http://schemas.microsoft.com/office/powerpoint/2010/main" val="4211865868"/>
+                <p14:modId xmlns:p14="http://schemas.microsoft.com/office/powerpoint/2010/main" val="2735643649"/>
               </p:ext>
             </p:extLst>
           </p:nvPr>
@@ -3798,7 +3798,10 @@
                     <a:bodyPr/>
                     <a:lstStyle/>
                     <a:p>
-                      <a:endParaRPr lang="en-US"/>
+                      <a:r>
+                        <a:rPr lang="en-US" dirty="0"/>
+                        <a:t>0.834</a:t>
+                      </a:r>
                     </a:p>
                   </a:txBody>
                   <a:tcPr/>
@@ -3808,7 +3811,10 @@
                     <a:bodyPr/>
                     <a:lstStyle/>
                     <a:p>
-                      <a:endParaRPr lang="en-US" dirty="0"/>
+                      <a:r>
+                        <a:rPr lang="en-US" dirty="0"/>
+                        <a:t>0.865</a:t>
+                      </a:r>
                     </a:p>
                   </a:txBody>
                   <a:tcPr/>
@@ -3818,7 +3824,10 @@
                     <a:bodyPr/>
                     <a:lstStyle/>
                     <a:p>
-                      <a:endParaRPr lang="en-US"/>
+                      <a:r>
+                        <a:rPr lang="en-US"/>
+                        <a:t>0.145</a:t>
+                      </a:r>
                     </a:p>
                   </a:txBody>
                   <a:tcPr/>
@@ -3871,7 +3880,7 @@
                     <a:bodyPr/>
                     <a:lstStyle/>
                     <a:p>
-                      <a:endParaRPr lang="en-US"/>
+                      <a:endParaRPr lang="en-US" dirty="0"/>
                     </a:p>
                   </a:txBody>
                   <a:tcPr/>
